--- a/Template/Exp3/untitled.pptx
+++ b/Template/Exp3/untitled.pptx
@@ -198,7 +198,7 @@
           <a:p>
             <a:fld id="{D4CE6B8B-3ACD-5342-8027-528B1573328D}" type="datetimeFigureOut">
               <a:rPr lang="en-CN" smtClean="0"/>
-              <a:t>2023/5/3</a:t>
+              <a:t>2023/5/24</a:t>
             </a:fld>
             <a:endParaRPr lang="en-CN"/>
           </a:p>
@@ -699,7 +699,7 @@
           <a:p>
             <a:fld id="{8773CF06-609E-594A-A16A-7BDC0F773BB6}" type="datetimeFigureOut">
               <a:rPr lang="en-CN" smtClean="0"/>
-              <a:t>2023/5/3</a:t>
+              <a:t>2023/5/24</a:t>
             </a:fld>
             <a:endParaRPr lang="en-CN"/>
           </a:p>
@@ -899,7 +899,7 @@
           <a:p>
             <a:fld id="{8773CF06-609E-594A-A16A-7BDC0F773BB6}" type="datetimeFigureOut">
               <a:rPr lang="en-CN" smtClean="0"/>
-              <a:t>2023/5/3</a:t>
+              <a:t>2023/5/24</a:t>
             </a:fld>
             <a:endParaRPr lang="en-CN"/>
           </a:p>
@@ -1109,7 +1109,7 @@
           <a:p>
             <a:fld id="{8773CF06-609E-594A-A16A-7BDC0F773BB6}" type="datetimeFigureOut">
               <a:rPr lang="en-CN" smtClean="0"/>
-              <a:t>2023/5/3</a:t>
+              <a:t>2023/5/24</a:t>
             </a:fld>
             <a:endParaRPr lang="en-CN"/>
           </a:p>
@@ -1309,7 +1309,7 @@
           <a:p>
             <a:fld id="{8773CF06-609E-594A-A16A-7BDC0F773BB6}" type="datetimeFigureOut">
               <a:rPr lang="en-CN" smtClean="0"/>
-              <a:t>2023/5/3</a:t>
+              <a:t>2023/5/24</a:t>
             </a:fld>
             <a:endParaRPr lang="en-CN"/>
           </a:p>
@@ -1585,7 +1585,7 @@
           <a:p>
             <a:fld id="{8773CF06-609E-594A-A16A-7BDC0F773BB6}" type="datetimeFigureOut">
               <a:rPr lang="en-CN" smtClean="0"/>
-              <a:t>2023/5/3</a:t>
+              <a:t>2023/5/24</a:t>
             </a:fld>
             <a:endParaRPr lang="en-CN"/>
           </a:p>
@@ -1853,7 +1853,7 @@
           <a:p>
             <a:fld id="{8773CF06-609E-594A-A16A-7BDC0F773BB6}" type="datetimeFigureOut">
               <a:rPr lang="en-CN" smtClean="0"/>
-              <a:t>2023/5/3</a:t>
+              <a:t>2023/5/24</a:t>
             </a:fld>
             <a:endParaRPr lang="en-CN"/>
           </a:p>
@@ -2268,7 +2268,7 @@
           <a:p>
             <a:fld id="{8773CF06-609E-594A-A16A-7BDC0F773BB6}" type="datetimeFigureOut">
               <a:rPr lang="en-CN" smtClean="0"/>
-              <a:t>2023/5/3</a:t>
+              <a:t>2023/5/24</a:t>
             </a:fld>
             <a:endParaRPr lang="en-CN"/>
           </a:p>
@@ -2410,7 +2410,7 @@
           <a:p>
             <a:fld id="{8773CF06-609E-594A-A16A-7BDC0F773BB6}" type="datetimeFigureOut">
               <a:rPr lang="en-CN" smtClean="0"/>
-              <a:t>2023/5/3</a:t>
+              <a:t>2023/5/24</a:t>
             </a:fld>
             <a:endParaRPr lang="en-CN"/>
           </a:p>
@@ -2523,7 +2523,7 @@
           <a:p>
             <a:fld id="{8773CF06-609E-594A-A16A-7BDC0F773BB6}" type="datetimeFigureOut">
               <a:rPr lang="en-CN" smtClean="0"/>
-              <a:t>2023/5/3</a:t>
+              <a:t>2023/5/24</a:t>
             </a:fld>
             <a:endParaRPr lang="en-CN"/>
           </a:p>
@@ -2836,7 +2836,7 @@
           <a:p>
             <a:fld id="{8773CF06-609E-594A-A16A-7BDC0F773BB6}" type="datetimeFigureOut">
               <a:rPr lang="en-CN" smtClean="0"/>
-              <a:t>2023/5/3</a:t>
+              <a:t>2023/5/24</a:t>
             </a:fld>
             <a:endParaRPr lang="en-CN"/>
           </a:p>
@@ -3125,7 +3125,7 @@
           <a:p>
             <a:fld id="{8773CF06-609E-594A-A16A-7BDC0F773BB6}" type="datetimeFigureOut">
               <a:rPr lang="en-CN" smtClean="0"/>
-              <a:t>2023/5/3</a:t>
+              <a:t>2023/5/24</a:t>
             </a:fld>
             <a:endParaRPr lang="en-CN"/>
           </a:p>
@@ -3368,7 +3368,7 @@
           <a:p>
             <a:fld id="{8773CF06-609E-594A-A16A-7BDC0F773BB6}" type="datetimeFigureOut">
               <a:rPr lang="en-CN" smtClean="0"/>
-              <a:t>2023/5/3</a:t>
+              <a:t>2023/5/24</a:t>
             </a:fld>
             <a:endParaRPr lang="en-CN"/>
           </a:p>
@@ -3807,7 +3807,7 @@
         <p:spPr>
           <a:xfrm>
             <a:off x="850503" y="1376417"/>
-            <a:ext cx="5093493" cy="3937000"/>
+            <a:ext cx="5093493" cy="3936999"/>
           </a:xfrm>
           <a:prstGeom prst="rect">
             <a:avLst/>
@@ -3836,7 +3836,7 @@
         <p:spPr>
           <a:xfrm>
             <a:off x="6171803" y="1376417"/>
-            <a:ext cx="5093493" cy="3937000"/>
+            <a:ext cx="5093493" cy="3936999"/>
           </a:xfrm>
           <a:prstGeom prst="rect">
             <a:avLst/>
@@ -3973,8 +3973,8 @@
           </a:prstGeom>
         </p:spPr>
       </p:pic>
-      <mc:AlternateContent xmlns:mc="http://schemas.openxmlformats.org/markup-compatibility/2006">
-        <mc:Choice xmlns:a14="http://schemas.microsoft.com/office/drawing/2010/main" Requires="a14">
+      <mc:AlternateContent xmlns:mc="http://schemas.openxmlformats.org/markup-compatibility/2006" xmlns:a14="http://schemas.microsoft.com/office/drawing/2010/main">
+        <mc:Choice Requires="a14">
           <p:sp>
             <p:nvSpPr>
               <p:cNvPr id="10" name="TextBox 9">
@@ -4003,6 +4003,7 @@
               </a:bodyPr>
               <a:lstStyle/>
               <a:p>
+                <a:pPr/>
                 <a14:m>
                   <m:oMathPara xmlns:m="http://schemas.openxmlformats.org/officeDocument/2006/math">
                     <m:oMathParaPr>
@@ -4023,7 +4024,7 @@
             </p:txBody>
           </p:sp>
         </mc:Choice>
-        <mc:Fallback>
+        <mc:Fallback xmlns="">
           <p:sp>
             <p:nvSpPr>
               <p:cNvPr id="10" name="TextBox 9">
@@ -4068,8 +4069,8 @@
           </p:sp>
         </mc:Fallback>
       </mc:AlternateContent>
-      <mc:AlternateContent xmlns:mc="http://schemas.openxmlformats.org/markup-compatibility/2006">
-        <mc:Choice xmlns:a14="http://schemas.microsoft.com/office/drawing/2010/main" Requires="a14">
+      <mc:AlternateContent xmlns:mc="http://schemas.openxmlformats.org/markup-compatibility/2006" xmlns:a14="http://schemas.microsoft.com/office/drawing/2010/main">
+        <mc:Choice Requires="a14">
           <p:sp>
             <p:nvSpPr>
               <p:cNvPr id="14" name="TextBox 13">
@@ -4098,6 +4099,7 @@
               </a:bodyPr>
               <a:lstStyle/>
               <a:p>
+                <a:pPr/>
                 <a14:m>
                   <m:oMathPara xmlns:m="http://schemas.openxmlformats.org/officeDocument/2006/math">
                     <m:oMathParaPr>
@@ -4137,7 +4139,7 @@
             </p:txBody>
           </p:sp>
         </mc:Choice>
-        <mc:Fallback>
+        <mc:Fallback xmlns="">
           <p:sp>
             <p:nvSpPr>
               <p:cNvPr id="14" name="TextBox 13">
@@ -4233,8 +4235,8 @@
         </p:blipFill>
         <p:spPr>
           <a:xfrm>
-            <a:off x="5694636" y="1600762"/>
-            <a:ext cx="4873050" cy="4644053"/>
+            <a:off x="1121442" y="1664869"/>
+            <a:ext cx="4717331" cy="4644052"/>
           </a:xfrm>
           <a:prstGeom prst="rect">
             <a:avLst/>
@@ -4262,8 +4264,8 @@
         </p:blipFill>
         <p:spPr>
           <a:xfrm>
-            <a:off x="842246" y="1637658"/>
-            <a:ext cx="4653251" cy="4680949"/>
+            <a:off x="6181501" y="1664869"/>
+            <a:ext cx="4653250" cy="4580967"/>
           </a:xfrm>
           <a:prstGeom prst="rect">
             <a:avLst/>
